--- a/Lectures/cosmosdb.pptx
+++ b/Lectures/cosmosdb.pptx
@@ -5,10 +5,10 @@
     <p:sldMasterId id="2147483712" r:id="rId1"/>
   </p:sldMasterIdLst>
   <p:notesMasterIdLst>
-    <p:notesMasterId r:id="rId10"/>
+    <p:notesMasterId r:id="rId9"/>
   </p:notesMasterIdLst>
   <p:handoutMasterIdLst>
-    <p:handoutMasterId r:id="rId11"/>
+    <p:handoutMasterId r:id="rId10"/>
   </p:handoutMasterIdLst>
   <p:sldIdLst>
     <p:sldId id="261" r:id="rId2"/>
@@ -18,7 +18,6 @@
     <p:sldId id="266" r:id="rId6"/>
     <p:sldId id="267" r:id="rId7"/>
     <p:sldId id="268" r:id="rId8"/>
-    <p:sldId id="256" r:id="rId9"/>
   </p:sldIdLst>
   <p:sldSz cx="12192000" cy="6858000"/>
   <p:notesSz cx="6858000" cy="9144000"/>
@@ -212,7 +211,7 @@
             <a:pPr rtl="0"/>
             <a:fld id="{D41B49EE-D55C-4AD5-AE6A-B09AB57F7266}" type="datetime1">
               <a:rPr lang="pl-PL" smtClean="0"/>
-              <a:t>16.02.2021</a:t>
+              <a:t>19.02.2021</a:t>
             </a:fld>
             <a:endParaRPr lang="en-US" dirty="0"/>
           </a:p>
@@ -382,7 +381,7 @@
             <a:pPr rtl="0"/>
             <a:fld id="{A3051B73-E311-44BF-8D6D-9137AB9F3DE8}" type="datetime1">
               <a:rPr lang="pl-PL" smtClean="0"/>
-              <a:t>16.02.2021</a:t>
+              <a:t>19.02.2021</a:t>
             </a:fld>
             <a:endParaRPr lang="en-US"/>
           </a:p>
@@ -896,7 +895,7 @@
             <a:pPr rtl="0"/>
             <a:fld id="{6A255EE4-F95C-49B3-ACD4-7CA3D00C795E}" type="datetime1">
               <a:rPr lang="pl-PL" smtClean="0"/>
-              <a:t>16.02.2021</a:t>
+              <a:t>19.02.2021</a:t>
             </a:fld>
             <a:endParaRPr lang="en-US" dirty="0"/>
           </a:p>
@@ -1103,7 +1102,7 @@
             <a:pPr rtl="0"/>
             <a:fld id="{73F1D04E-0CE8-4348-8D3C-4F97263154FA}" type="datetime1">
               <a:rPr lang="pl-PL" smtClean="0"/>
-              <a:t>16.02.2021</a:t>
+              <a:t>19.02.2021</a:t>
             </a:fld>
             <a:endParaRPr lang="en-US" dirty="0"/>
           </a:p>
@@ -1469,7 +1468,7 @@
             <a:pPr rtl="0"/>
             <a:fld id="{199848F2-EC7B-4A2E-A4EA-D56A99AC03B6}" type="datetime1">
               <a:rPr lang="pl-PL" smtClean="0"/>
-              <a:t>16.02.2021</a:t>
+              <a:t>19.02.2021</a:t>
             </a:fld>
             <a:endParaRPr lang="en-US" dirty="0"/>
           </a:p>
@@ -1671,7 +1670,7 @@
             <a:pPr rtl="0"/>
             <a:fld id="{4002B9CC-9A39-4A3E-A11C-2AA5A4A43696}" type="datetime1">
               <a:rPr lang="pl-PL" smtClean="0"/>
-              <a:t>16.02.2021</a:t>
+              <a:t>19.02.2021</a:t>
             </a:fld>
             <a:endParaRPr lang="en-US" dirty="0"/>
           </a:p>
@@ -1987,7 +1986,7 @@
             <a:pPr rtl="0"/>
             <a:fld id="{143DF7B8-0E4E-4FC5-86DA-BF07D7501F68}" type="datetime1">
               <a:rPr lang="pl-PL" smtClean="0"/>
-              <a:t>16.02.2021</a:t>
+              <a:t>19.02.2021</a:t>
             </a:fld>
             <a:endParaRPr lang="en-US" dirty="0"/>
           </a:p>
@@ -2244,7 +2243,7 @@
             <a:pPr rtl="0"/>
             <a:fld id="{20115373-D71C-43CC-A9B0-C5F5B0EAD476}" type="datetime1">
               <a:rPr lang="pl-PL" smtClean="0"/>
-              <a:t>16.02.2021</a:t>
+              <a:t>19.02.2021</a:t>
             </a:fld>
             <a:endParaRPr lang="en-US" dirty="0"/>
           </a:p>
@@ -2670,7 +2669,7 @@
             <a:pPr rtl="0"/>
             <a:fld id="{C24BF620-47B2-4AAA-B965-6575C26AEC58}" type="datetime1">
               <a:rPr lang="pl-PL" smtClean="0"/>
-              <a:t>16.02.2021</a:t>
+              <a:t>19.02.2021</a:t>
             </a:fld>
             <a:endParaRPr lang="en-US" dirty="0"/>
           </a:p>
@@ -2797,7 +2796,7 @@
             <a:pPr rtl="0"/>
             <a:fld id="{98A70DB5-3B74-47E3-90B3-6FF4DAF5961C}" type="datetime1">
               <a:rPr lang="pl-PL" smtClean="0"/>
-              <a:t>16.02.2021</a:t>
+              <a:t>19.02.2021</a:t>
             </a:fld>
             <a:endParaRPr lang="en-US" dirty="0"/>
           </a:p>
@@ -2895,7 +2894,7 @@
             <a:pPr rtl="0"/>
             <a:fld id="{5ECCD3F3-1BA2-48DE-B1B4-BBD3C3E3D436}" type="datetime1">
               <a:rPr lang="pl-PL" smtClean="0"/>
-              <a:t>16.02.2021</a:t>
+              <a:t>19.02.2021</a:t>
             </a:fld>
             <a:endParaRPr lang="en-US" dirty="0"/>
           </a:p>
@@ -3276,7 +3275,7 @@
             <a:pPr rtl="0"/>
             <a:fld id="{5D2385E3-AC97-41FD-8DF3-B71EB60EA90E}" type="datetime1">
               <a:rPr lang="pl-PL" smtClean="0"/>
-              <a:t>16.02.2021</a:t>
+              <a:t>19.02.2021</a:t>
             </a:fld>
             <a:endParaRPr lang="en-US" dirty="0"/>
           </a:p>
@@ -3574,7 +3573,7 @@
             <a:pPr rtl="0"/>
             <a:fld id="{8732DF53-D588-4215-BD5B-BCC4BBD41867}" type="datetime1">
               <a:rPr lang="pl-PL" smtClean="0"/>
-              <a:t>16.02.2021</a:t>
+              <a:t>19.02.2021</a:t>
             </a:fld>
             <a:endParaRPr lang="en-US" dirty="0"/>
           </a:p>
@@ -3792,7 +3791,7 @@
             <a:pPr rtl="0"/>
             <a:fld id="{161BBFD0-E849-4FC2-BFF9-605B90695325}" type="datetime1">
               <a:rPr lang="pl-PL" smtClean="0"/>
-              <a:t>16.02.2021</a:t>
+              <a:t>19.02.2021</a:t>
             </a:fld>
             <a:endParaRPr lang="en-US" dirty="0"/>
           </a:p>
@@ -4472,8 +4471,8 @@
               <a:t> the </a:t>
             </a:r>
             <a:r>
-              <a:rPr lang="pl-PL" sz="5400" b="1" dirty="0" err="1"/>
-              <a:t>price</a:t>
+              <a:rPr lang="en-US" sz="5400" b="1" dirty="0"/>
+              <a:t>cost</a:t>
             </a:r>
             <a:r>
               <a:rPr lang="pl-PL" sz="5400" b="1" dirty="0"/>
@@ -4703,15 +4702,6 @@
           <a:solidFill>
             <a:srgbClr val="FFFFFF"/>
           </a:solidFill>
-          <a:extLst>
-            <a:ext uri="{909E8E84-426E-40DD-AFC4-6F175D3DCCD1}">
-              <a14:hiddenFill xmlns:a14="http://schemas.microsoft.com/office/drawing/2010/main">
-                <a:solidFill>
-                  <a:srgbClr val="FFFFFF"/>
-                </a:solidFill>
-              </a14:hiddenFill>
-            </a:ext>
-          </a:extLst>
         </p:spPr>
       </p:pic>
       <p:sp>
@@ -4942,7 +4932,17 @@
                   </a:schemeClr>
                 </a:solidFill>
               </a:rPr>
-              <a:t>consisteny</a:t>
+              <a:t>consisten</a:t>
+            </a:r>
+            <a:r>
+              <a:rPr lang="en-US" sz="5400" b="1" dirty="0">
+                <a:solidFill>
+                  <a:schemeClr val="accent1">
+                    <a:lumMod val="75000"/>
+                  </a:schemeClr>
+                </a:solidFill>
+              </a:rPr>
+              <a:t>c</a:t>
             </a:r>
             <a:r>
               <a:rPr lang="pl-PL" sz="5400" b="1" dirty="0">
@@ -4952,7 +4952,7 @@
                   </a:schemeClr>
                 </a:solidFill>
               </a:rPr>
-              <a:t> model</a:t>
+              <a:t>y model</a:t>
             </a:r>
           </a:p>
           <a:p>
@@ -5175,112 +5175,6 @@
     <p:extLst>
       <p:ext uri="{BB962C8B-B14F-4D97-AF65-F5344CB8AC3E}">
         <p14:creationId xmlns:p14="http://schemas.microsoft.com/office/powerpoint/2010/main" val="3066516262"/>
-      </p:ext>
-    </p:extLst>
-  </p:cSld>
-  <p:clrMapOvr>
-    <a:masterClrMapping/>
-  </p:clrMapOvr>
-</p:sld>
-</file>
-
-<file path=ppt/slides/slide8.xml><?xml version="1.0" encoding="utf-8"?>
-<p:sld xmlns:a="http://schemas.openxmlformats.org/drawingml/2006/main" xmlns:r="http://schemas.openxmlformats.org/officeDocument/2006/relationships" xmlns:p="http://schemas.openxmlformats.org/presentationml/2006/main">
-  <p:cSld>
-    <p:spTree>
-      <p:nvGrpSpPr>
-        <p:cNvPr id="1" name=""/>
-        <p:cNvGrpSpPr/>
-        <p:nvPr/>
-      </p:nvGrpSpPr>
-      <p:grpSpPr>
-        <a:xfrm>
-          <a:off x="0" y="0"/>
-          <a:ext cx="0" cy="0"/>
-          <a:chOff x="0" y="0"/>
-          <a:chExt cx="0" cy="0"/>
-        </a:xfrm>
-      </p:grpSpPr>
-      <p:sp>
-        <p:nvSpPr>
-          <p:cNvPr id="5" name="pole tekstowe 4">
-            <a:extLst>
-              <a:ext uri="{FF2B5EF4-FFF2-40B4-BE49-F238E27FC236}">
-                <a16:creationId xmlns:a16="http://schemas.microsoft.com/office/drawing/2014/main" id="{A702AF2C-7B5D-4D87-AF69-AB7A5149B3FD}"/>
-              </a:ext>
-            </a:extLst>
-          </p:cNvPr>
-          <p:cNvSpPr txBox="1"/>
-          <p:nvPr/>
-        </p:nvSpPr>
-        <p:spPr>
-          <a:xfrm>
-            <a:off x="2747596" y="3697165"/>
-            <a:ext cx="7671289" cy="2031325"/>
-          </a:xfrm>
-          <a:prstGeom prst="rect">
-            <a:avLst/>
-          </a:prstGeom>
-          <a:noFill/>
-        </p:spPr>
-        <p:txBody>
-          <a:bodyPr wrap="square" rtlCol="0">
-            <a:spAutoFit/>
-          </a:bodyPr>
-          <a:lstStyle/>
-          <a:p>
-            <a:r>
-              <a:rPr lang="en-US" dirty="0"/>
-              <a:t>Single Partition Transactions</a:t>
-            </a:r>
-          </a:p>
-          <a:p>
-            <a:r>
-              <a:rPr lang="en-US" dirty="0"/>
-              <a:t>No Interactive Transactions – “no locking”</a:t>
-            </a:r>
-          </a:p>
-          <a:p>
-            <a:r>
-              <a:rPr lang="en-US" dirty="0"/>
-              <a:t>TTL on documents</a:t>
-            </a:r>
-          </a:p>
-          <a:p>
-            <a:r>
-              <a:rPr lang="en-US" dirty="0"/>
-              <a:t>Different consistency models</a:t>
-            </a:r>
-          </a:p>
-          <a:p>
-            <a:r>
-              <a:rPr lang="en-US" dirty="0"/>
-              <a:t>Optimistic concurrency on a single entity</a:t>
-            </a:r>
-          </a:p>
-          <a:p>
-            <a:r>
-              <a:rPr lang="en-US" dirty="0"/>
-              <a:t>A</a:t>
-            </a:r>
-            <a:r>
-              <a:rPr lang="pl-PL" dirty="0" err="1"/>
-              <a:t>cces</a:t>
-            </a:r>
-            <a:r>
-              <a:rPr lang="en-US" dirty="0"/>
-              <a:t>s-based data modelling</a:t>
-            </a:r>
-          </a:p>
-          <a:p>
-            <a:endParaRPr lang="en-US" dirty="0"/>
-          </a:p>
-        </p:txBody>
-      </p:sp>
-    </p:spTree>
-    <p:extLst>
-      <p:ext uri="{BB962C8B-B14F-4D97-AF65-F5344CB8AC3E}">
-        <p14:creationId xmlns:p14="http://schemas.microsoft.com/office/powerpoint/2010/main" val="842572560"/>
       </p:ext>
     </p:extLst>
   </p:cSld>
